--- a/Presentation/Lightning Talk.pptx
+++ b/Presentation/Lightning Talk.pptx
@@ -7,6 +7,9 @@
   <p:sldIdLst>
     <p:sldId id="256" r:id="rId2"/>
     <p:sldId id="257" r:id="rId3"/>
+    <p:sldId id="258" r:id="rId4"/>
+    <p:sldId id="259" r:id="rId5"/>
+    <p:sldId id="260" r:id="rId6"/>
   </p:sldIdLst>
   <p:sldSz cx="12192000" cy="6858000"/>
   <p:notesSz cx="6858000" cy="9144000"/>
@@ -105,6 +108,11 @@
       </a:defRPr>
     </a:lvl9pPr>
   </p:defaultTextStyle>
+  <p:extLst>
+    <p:ext uri="{EFAFB233-063F-42B5-8137-9DF3F51BA10A}">
+      <p15:sldGuideLst xmlns:p15="http://schemas.microsoft.com/office/powerpoint/2012/main"/>
+    </p:ext>
+  </p:extLst>
 </p:presentation>
 </file>
 
@@ -271,7 +279,7 @@
           <a:p>
             <a:fld id="{1160EA64-D806-43AC-9DF2-F8C432F32B4C}" type="datetimeFigureOut">
               <a:rPr lang="en-US" dirty="0"/>
-              <a:t>12/7/2019</a:t>
+              <a:t>12/8/2019</a:t>
             </a:fld>
             <a:endParaRPr lang="en-US" dirty="0"/>
           </a:p>
@@ -437,7 +445,7 @@
           <a:p>
             <a:fld id="{E9F9C37B-1D36-470B-8223-D6C91242EC14}" type="datetimeFigureOut">
               <a:rPr lang="en-US" dirty="0"/>
-              <a:t>12/7/2019</a:t>
+              <a:t>12/8/2019</a:t>
             </a:fld>
             <a:endParaRPr lang="en-US" dirty="0"/>
           </a:p>
@@ -612,7 +620,7 @@
           <a:p>
             <a:fld id="{67C6F52A-A82B-47A2-A83A-8C4C91F2D59F}" type="datetimeFigureOut">
               <a:rPr lang="en-US" dirty="0"/>
-              <a:t>12/7/2019</a:t>
+              <a:t>12/8/2019</a:t>
             </a:fld>
             <a:endParaRPr lang="en-US" dirty="0"/>
           </a:p>
@@ -777,7 +785,7 @@
           <a:p>
             <a:fld id="{F070A7B3-6521-4DCA-87E5-044747A908C1}" type="datetimeFigureOut">
               <a:rPr lang="en-US" dirty="0"/>
-              <a:t>12/7/2019</a:t>
+              <a:t>12/8/2019</a:t>
             </a:fld>
             <a:endParaRPr lang="en-US" dirty="0"/>
           </a:p>
@@ -1041,7 +1049,7 @@
           <a:p>
             <a:fld id="{1160EA64-D806-43AC-9DF2-F8C432F32B4C}" type="datetimeFigureOut">
               <a:rPr lang="en-US" dirty="0"/>
-              <a:t>12/7/2019</a:t>
+              <a:t>12/8/2019</a:t>
             </a:fld>
             <a:endParaRPr lang="en-US" dirty="0"/>
           </a:p>
@@ -1269,7 +1277,7 @@
           <a:p>
             <a:fld id="{AB134690-1557-4C89-A502-4959FE7FAD70}" type="datetimeFigureOut">
               <a:rPr lang="en-US" dirty="0"/>
-              <a:t>12/7/2019</a:t>
+              <a:t>12/8/2019</a:t>
             </a:fld>
             <a:endParaRPr lang="en-US" dirty="0"/>
           </a:p>
@@ -1623,7 +1631,7 @@
           <a:p>
             <a:fld id="{4F7D4976-E339-4826-83B7-FBD03F55ECF8}" type="datetimeFigureOut">
               <a:rPr lang="en-US" dirty="0"/>
-              <a:t>12/7/2019</a:t>
+              <a:t>12/8/2019</a:t>
             </a:fld>
             <a:endParaRPr lang="en-US" dirty="0"/>
           </a:p>
@@ -1759,7 +1767,7 @@
           <a:p>
             <a:fld id="{E1037C31-9E7A-4F99-8774-A0E530DE1A42}" type="datetimeFigureOut">
               <a:rPr lang="en-US" dirty="0"/>
-              <a:t>12/7/2019</a:t>
+              <a:t>12/8/2019</a:t>
             </a:fld>
             <a:endParaRPr lang="en-US" dirty="0"/>
           </a:p>
@@ -1849,7 +1857,7 @@
           <a:p>
             <a:fld id="{C278504F-A551-4DE0-9316-4DCD1D8CC752}" type="datetimeFigureOut">
               <a:rPr lang="en-US" dirty="0"/>
-              <a:t>12/7/2019</a:t>
+              <a:t>12/8/2019</a:t>
             </a:fld>
             <a:endParaRPr lang="en-US" dirty="0"/>
           </a:p>
@@ -2201,7 +2209,7 @@
           <a:p>
             <a:fld id="{D1BE4249-C0D0-4B06-8692-E8BB871AF643}" type="datetimeFigureOut">
               <a:rPr lang="en-US" dirty="0"/>
-              <a:t>12/7/2019</a:t>
+              <a:t>12/8/2019</a:t>
             </a:fld>
             <a:endParaRPr lang="en-US" dirty="0"/>
           </a:p>
@@ -2553,7 +2561,7 @@
           <a:p>
             <a:fld id="{042B0DB6-F5C7-45FB-8CF3-31B45F9C2DAC}" type="datetimeFigureOut">
               <a:rPr lang="en-US" dirty="0"/>
-              <a:t>12/7/2019</a:t>
+              <a:t>12/8/2019</a:t>
             </a:fld>
             <a:endParaRPr lang="en-US" dirty="0"/>
           </a:p>
@@ -2790,7 +2798,7 @@
           <a:p>
             <a:fld id="{1160EA64-D806-43AC-9DF2-F8C432F32B4C}" type="datetimeFigureOut">
               <a:rPr lang="en-US" dirty="0"/>
-              <a:t>12/7/2019</a:t>
+              <a:t>12/8/2019</a:t>
             </a:fld>
             <a:endParaRPr lang="en-US" dirty="0"/>
           </a:p>
@@ -3357,10 +3365,944 @@
           </a:p>
         </p:txBody>
       </p:sp>
+      <p:pic>
+        <p:nvPicPr>
+          <p:cNvPr id="4" name="Picture 3" descr="A screenshot of a cell phone&#10;&#10;Description automatically generated">
+            <a:extLst>
+              <a:ext uri="{FF2B5EF4-FFF2-40B4-BE49-F238E27FC236}">
+                <a16:creationId xmlns:a16="http://schemas.microsoft.com/office/drawing/2014/main" id="{9CA65E4C-DDD7-42E2-B86B-69B88F342383}"/>
+              </a:ext>
+            </a:extLst>
+          </p:cNvPr>
+          <p:cNvPicPr>
+            <a:picLocks noChangeAspect="1"/>
+          </p:cNvPicPr>
+          <p:nvPr/>
+        </p:nvPicPr>
+        <p:blipFill>
+          <a:blip r:embed="rId2"/>
+          <a:stretch>
+            <a:fillRect/>
+          </a:stretch>
+        </p:blipFill>
+        <p:spPr>
+          <a:xfrm>
+            <a:off x="207003" y="2380957"/>
+            <a:ext cx="5618480" cy="4445391"/>
+          </a:xfrm>
+          <a:prstGeom prst="rect">
+            <a:avLst/>
+          </a:prstGeom>
+        </p:spPr>
+      </p:pic>
+      <p:pic>
+        <p:nvPicPr>
+          <p:cNvPr id="6" name="Picture 5" descr="A screenshot of a cell phone&#10;&#10;Description automatically generated">
+            <a:extLst>
+              <a:ext uri="{FF2B5EF4-FFF2-40B4-BE49-F238E27FC236}">
+                <a16:creationId xmlns:a16="http://schemas.microsoft.com/office/drawing/2014/main" id="{1A802054-3D11-4C44-B610-7FB24CAE8401}"/>
+              </a:ext>
+            </a:extLst>
+          </p:cNvPr>
+          <p:cNvPicPr>
+            <a:picLocks noChangeAspect="1"/>
+          </p:cNvPicPr>
+          <p:nvPr/>
+        </p:nvPicPr>
+        <p:blipFill>
+          <a:blip r:embed="rId3"/>
+          <a:stretch>
+            <a:fillRect/>
+          </a:stretch>
+        </p:blipFill>
+        <p:spPr>
+          <a:xfrm>
+            <a:off x="6016758" y="2380956"/>
+            <a:ext cx="5977468" cy="4373825"/>
+          </a:xfrm>
+          <a:prstGeom prst="rect">
+            <a:avLst/>
+          </a:prstGeom>
+        </p:spPr>
+      </p:pic>
     </p:spTree>
     <p:extLst>
       <p:ext uri="{BB962C8B-B14F-4D97-AF65-F5344CB8AC3E}">
         <p14:creationId xmlns:p14="http://schemas.microsoft.com/office/powerpoint/2010/main" val="3970674815"/>
+      </p:ext>
+    </p:extLst>
+  </p:cSld>
+  <p:clrMapOvr>
+    <a:masterClrMapping/>
+  </p:clrMapOvr>
+</p:sld>
+</file>
+
+<file path=ppt/slides/slide3.xml><?xml version="1.0" encoding="utf-8"?>
+<p:sld xmlns:a="http://schemas.openxmlformats.org/drawingml/2006/main" xmlns:r="http://schemas.openxmlformats.org/officeDocument/2006/relationships" xmlns:p="http://schemas.openxmlformats.org/presentationml/2006/main">
+  <p:cSld>
+    <p:spTree>
+      <p:nvGrpSpPr>
+        <p:cNvPr id="1" name=""/>
+        <p:cNvGrpSpPr/>
+        <p:nvPr/>
+      </p:nvGrpSpPr>
+      <p:grpSpPr>
+        <a:xfrm>
+          <a:off x="0" y="0"/>
+          <a:ext cx="0" cy="0"/>
+          <a:chOff x="0" y="0"/>
+          <a:chExt cx="0" cy="0"/>
+        </a:xfrm>
+      </p:grpSpPr>
+      <p:sp>
+        <p:nvSpPr>
+          <p:cNvPr id="2" name="Title 1">
+            <a:extLst>
+              <a:ext uri="{FF2B5EF4-FFF2-40B4-BE49-F238E27FC236}">
+                <a16:creationId xmlns:a16="http://schemas.microsoft.com/office/drawing/2014/main" id="{3DDF6951-A1C4-45DE-A15F-67B6FEF52A4B}"/>
+              </a:ext>
+            </a:extLst>
+          </p:cNvPr>
+          <p:cNvSpPr>
+            <a:spLocks noGrp="1"/>
+          </p:cNvSpPr>
+          <p:nvPr>
+            <p:ph type="title"/>
+          </p:nvPr>
+        </p:nvSpPr>
+        <p:spPr/>
+        <p:txBody>
+          <a:bodyPr/>
+          <a:lstStyle/>
+          <a:p>
+            <a:r>
+              <a:rPr lang="en-US" dirty="0"/>
+              <a:t>Steps</a:t>
+            </a:r>
+          </a:p>
+        </p:txBody>
+      </p:sp>
+      <p:sp>
+        <p:nvSpPr>
+          <p:cNvPr id="3" name="Content Placeholder 2">
+            <a:extLst>
+              <a:ext uri="{FF2B5EF4-FFF2-40B4-BE49-F238E27FC236}">
+                <a16:creationId xmlns:a16="http://schemas.microsoft.com/office/drawing/2014/main" id="{5BB9EB77-3560-429F-A8BD-C230BAB7596B}"/>
+              </a:ext>
+            </a:extLst>
+          </p:cNvPr>
+          <p:cNvSpPr>
+            <a:spLocks noGrp="1"/>
+          </p:cNvSpPr>
+          <p:nvPr>
+            <p:ph idx="1"/>
+          </p:nvPr>
+        </p:nvSpPr>
+        <p:spPr/>
+        <p:txBody>
+          <a:bodyPr>
+            <a:normAutofit/>
+          </a:bodyPr>
+          <a:lstStyle/>
+          <a:p>
+            <a:pPr marL="342900" indent="-342900">
+              <a:buFont typeface="+mj-lt"/>
+              <a:buAutoNum type="arabicPeriod"/>
+            </a:pPr>
+            <a:r>
+              <a:rPr lang="en-US" sz="2400" dirty="0"/>
+              <a:t>Get all URLs (146 for State, 1,509 for White House)</a:t>
+            </a:r>
+          </a:p>
+          <a:p>
+            <a:pPr marL="342900" indent="-342900">
+              <a:buFont typeface="+mj-lt"/>
+              <a:buAutoNum type="arabicPeriod"/>
+            </a:pPr>
+            <a:r>
+              <a:rPr lang="en-US" sz="2400" dirty="0"/>
+              <a:t>Scrape html</a:t>
+            </a:r>
+          </a:p>
+          <a:p>
+            <a:pPr marL="342900" indent="-342900">
+              <a:buFont typeface="+mj-lt"/>
+              <a:buAutoNum type="arabicPeriod"/>
+            </a:pPr>
+            <a:r>
+              <a:rPr lang="en-US" sz="2400" dirty="0"/>
+              <a:t>Filter for mentions of “Kim”</a:t>
+            </a:r>
+          </a:p>
+          <a:p>
+            <a:pPr marL="342900" indent="-342900">
+              <a:buFont typeface="+mj-lt"/>
+              <a:buAutoNum type="arabicPeriod"/>
+            </a:pPr>
+            <a:r>
+              <a:rPr lang="en-US" sz="2400" dirty="0"/>
+              <a:t>Group by title</a:t>
+            </a:r>
+          </a:p>
+          <a:p>
+            <a:pPr marL="342900" indent="-342900">
+              <a:buFont typeface="+mj-lt"/>
+              <a:buAutoNum type="arabicPeriod"/>
+            </a:pPr>
+            <a:r>
+              <a:rPr lang="en-US" sz="2400" dirty="0"/>
+              <a:t>Visualize</a:t>
+            </a:r>
+          </a:p>
+          <a:p>
+            <a:pPr marL="342900" indent="-342900">
+              <a:buFont typeface="+mj-lt"/>
+              <a:buAutoNum type="arabicPeriod"/>
+            </a:pPr>
+            <a:endParaRPr lang="en-US" sz="2400" dirty="0"/>
+          </a:p>
+        </p:txBody>
+      </p:sp>
+    </p:spTree>
+    <p:extLst>
+      <p:ext uri="{BB962C8B-B14F-4D97-AF65-F5344CB8AC3E}">
+        <p14:creationId xmlns:p14="http://schemas.microsoft.com/office/powerpoint/2010/main" val="3671511160"/>
+      </p:ext>
+    </p:extLst>
+  </p:cSld>
+  <p:clrMapOvr>
+    <a:masterClrMapping/>
+  </p:clrMapOvr>
+</p:sld>
+</file>
+
+<file path=ppt/slides/slide4.xml><?xml version="1.0" encoding="utf-8"?>
+<p:sld xmlns:a="http://schemas.openxmlformats.org/drawingml/2006/main" xmlns:r="http://schemas.openxmlformats.org/officeDocument/2006/relationships" xmlns:p="http://schemas.openxmlformats.org/presentationml/2006/main">
+  <p:cSld>
+    <p:spTree>
+      <p:nvGrpSpPr>
+        <p:cNvPr id="1" name=""/>
+        <p:cNvGrpSpPr/>
+        <p:nvPr/>
+      </p:nvGrpSpPr>
+      <p:grpSpPr>
+        <a:xfrm>
+          <a:off x="0" y="0"/>
+          <a:ext cx="0" cy="0"/>
+          <a:chOff x="0" y="0"/>
+          <a:chExt cx="0" cy="0"/>
+        </a:xfrm>
+      </p:grpSpPr>
+      <p:sp>
+        <p:nvSpPr>
+          <p:cNvPr id="2" name="Title 1">
+            <a:extLst>
+              <a:ext uri="{FF2B5EF4-FFF2-40B4-BE49-F238E27FC236}">
+                <a16:creationId xmlns:a16="http://schemas.microsoft.com/office/drawing/2014/main" id="{EC793474-0F97-4939-8DA4-9D0C72035269}"/>
+              </a:ext>
+            </a:extLst>
+          </p:cNvPr>
+          <p:cNvSpPr>
+            <a:spLocks noGrp="1"/>
+          </p:cNvSpPr>
+          <p:nvPr>
+            <p:ph type="title"/>
+          </p:nvPr>
+        </p:nvSpPr>
+        <p:spPr>
+          <a:xfrm>
+            <a:off x="2231136" y="222089"/>
+            <a:ext cx="7729728" cy="1188720"/>
+          </a:xfrm>
+        </p:spPr>
+        <p:txBody>
+          <a:bodyPr/>
+          <a:lstStyle/>
+          <a:p>
+            <a:r>
+              <a:rPr lang="en-US" dirty="0"/>
+              <a:t>results</a:t>
+            </a:r>
+          </a:p>
+        </p:txBody>
+      </p:sp>
+      <p:graphicFrame>
+        <p:nvGraphicFramePr>
+          <p:cNvPr id="4" name="Table 3">
+            <a:extLst>
+              <a:ext uri="{FF2B5EF4-FFF2-40B4-BE49-F238E27FC236}">
+                <a16:creationId xmlns:a16="http://schemas.microsoft.com/office/drawing/2014/main" id="{BD3306A7-8143-49D3-BC6A-4614564737FD}"/>
+              </a:ext>
+            </a:extLst>
+          </p:cNvPr>
+          <p:cNvGraphicFramePr>
+            <a:graphicFrameLocks noGrp="1"/>
+          </p:cNvGraphicFramePr>
+          <p:nvPr>
+            <p:extLst>
+              <p:ext uri="{D42A27DB-BD31-4B8C-83A1-F6EECF244321}">
+                <p14:modId xmlns:p14="http://schemas.microsoft.com/office/powerpoint/2010/main" val="2723641592"/>
+              </p:ext>
+            </p:extLst>
+          </p:nvPr>
+        </p:nvGraphicFramePr>
+        <p:xfrm>
+          <a:off x="387928" y="2615738"/>
+          <a:ext cx="5486398" cy="3225806"/>
+        </p:xfrm>
+        <a:graphic>
+          <a:graphicData uri="http://schemas.openxmlformats.org/drawingml/2006/table">
+            <a:tbl>
+              <a:tblPr firstRow="1" bandRow="1">
+                <a:tableStyleId>{21E4AEA4-8DFA-4A89-87EB-49C32662AFE0}</a:tableStyleId>
+              </a:tblPr>
+              <a:tblGrid>
+                <a:gridCol w="1036304">
+                  <a:extLst>
+                    <a:ext uri="{9D8B030D-6E8A-4147-A177-3AD203B41FA5}">
+                      <a16:colId xmlns:a16="http://schemas.microsoft.com/office/drawing/2014/main" val="1319041748"/>
+                    </a:ext>
+                  </a:extLst>
+                </a:gridCol>
+                <a:gridCol w="1036304">
+                  <a:extLst>
+                    <a:ext uri="{9D8B030D-6E8A-4147-A177-3AD203B41FA5}">
+                      <a16:colId xmlns:a16="http://schemas.microsoft.com/office/drawing/2014/main" val="2972493684"/>
+                    </a:ext>
+                  </a:extLst>
+                </a:gridCol>
+                <a:gridCol w="908008">
+                  <a:extLst>
+                    <a:ext uri="{9D8B030D-6E8A-4147-A177-3AD203B41FA5}">
+                      <a16:colId xmlns:a16="http://schemas.microsoft.com/office/drawing/2014/main" val="885846399"/>
+                    </a:ext>
+                  </a:extLst>
+                </a:gridCol>
+                <a:gridCol w="789369">
+                  <a:extLst>
+                    <a:ext uri="{9D8B030D-6E8A-4147-A177-3AD203B41FA5}">
+                      <a16:colId xmlns:a16="http://schemas.microsoft.com/office/drawing/2014/main" val="1509920711"/>
+                    </a:ext>
+                  </a:extLst>
+                </a:gridCol>
+                <a:gridCol w="837651">
+                  <a:extLst>
+                    <a:ext uri="{9D8B030D-6E8A-4147-A177-3AD203B41FA5}">
+                      <a16:colId xmlns:a16="http://schemas.microsoft.com/office/drawing/2014/main" val="1212972633"/>
+                    </a:ext>
+                  </a:extLst>
+                </a:gridCol>
+                <a:gridCol w="878762">
+                  <a:extLst>
+                    <a:ext uri="{9D8B030D-6E8A-4147-A177-3AD203B41FA5}">
+                      <a16:colId xmlns:a16="http://schemas.microsoft.com/office/drawing/2014/main" val="2325303724"/>
+                    </a:ext>
+                  </a:extLst>
+                </a:gridCol>
+              </a:tblGrid>
+              <a:tr h="655192">
+                <a:tc gridSpan="6">
+                  <a:txBody>
+                    <a:bodyPr/>
+                    <a:lstStyle/>
+                    <a:p>
+                      <a:pPr algn="ctr"/>
+                      <a:r>
+                        <a:rPr lang="en-US" sz="1600" dirty="0"/>
+                        <a:t>Number of Mentions</a:t>
+                      </a:r>
+                    </a:p>
+                  </a:txBody>
+                  <a:tcPr anchor="ctr"/>
+                </a:tc>
+                <a:tc hMerge="1">
+                  <a:txBody>
+                    <a:bodyPr/>
+                    <a:lstStyle/>
+                    <a:p>
+                      <a:pPr algn="ctr"/>
+                      <a:endParaRPr lang="en-US" sz="1600" dirty="0"/>
+                    </a:p>
+                  </a:txBody>
+                  <a:tcPr anchor="ctr"/>
+                </a:tc>
+                <a:tc hMerge="1">
+                  <a:txBody>
+                    <a:bodyPr/>
+                    <a:lstStyle/>
+                    <a:p>
+                      <a:pPr algn="ctr"/>
+                      <a:endParaRPr lang="en-US" sz="1600" dirty="0"/>
+                    </a:p>
+                  </a:txBody>
+                  <a:tcPr anchor="ctr"/>
+                </a:tc>
+                <a:tc hMerge="1">
+                  <a:txBody>
+                    <a:bodyPr/>
+                    <a:lstStyle/>
+                    <a:p>
+                      <a:pPr algn="ctr"/>
+                      <a:endParaRPr lang="en-US" sz="1600" dirty="0"/>
+                    </a:p>
+                  </a:txBody>
+                  <a:tcPr anchor="ctr"/>
+                </a:tc>
+                <a:tc hMerge="1">
+                  <a:txBody>
+                    <a:bodyPr/>
+                    <a:lstStyle/>
+                    <a:p>
+                      <a:pPr algn="ctr"/>
+                      <a:endParaRPr lang="en-US" sz="1600" dirty="0"/>
+                    </a:p>
+                  </a:txBody>
+                  <a:tcPr anchor="ctr"/>
+                </a:tc>
+                <a:tc hMerge="1">
+                  <a:txBody>
+                    <a:bodyPr/>
+                    <a:lstStyle/>
+                    <a:p>
+                      <a:pPr algn="ctr"/>
+                      <a:endParaRPr lang="en-US" sz="1600" dirty="0"/>
+                    </a:p>
+                  </a:txBody>
+                  <a:tcPr anchor="ctr"/>
+                </a:tc>
+                <a:extLst>
+                  <a:ext uri="{0D108BD9-81ED-4DB2-BD59-A6C34878D82A}">
+                    <a16:rowId xmlns:a16="http://schemas.microsoft.com/office/drawing/2014/main" val="970676530"/>
+                  </a:ext>
+                </a:extLst>
+              </a:tr>
+              <a:tr h="655192">
+                <a:tc>
+                  <a:txBody>
+                    <a:bodyPr/>
+                    <a:lstStyle/>
+                    <a:p>
+                      <a:pPr algn="ctr"/>
+                      <a:endParaRPr lang="en-US" sz="1600" dirty="0"/>
+                    </a:p>
+                  </a:txBody>
+                  <a:tcPr anchor="ctr"/>
+                </a:tc>
+                <a:tc>
+                  <a:txBody>
+                    <a:bodyPr/>
+                    <a:lstStyle/>
+                    <a:p>
+                      <a:pPr algn="ctr"/>
+                      <a:r>
+                        <a:rPr lang="en-US" sz="1600" dirty="0"/>
+                        <a:t>Chairman</a:t>
+                      </a:r>
+                    </a:p>
+                  </a:txBody>
+                  <a:tcPr anchor="ctr"/>
+                </a:tc>
+                <a:tc>
+                  <a:txBody>
+                    <a:bodyPr/>
+                    <a:lstStyle/>
+                    <a:p>
+                      <a:pPr algn="ctr"/>
+                      <a:r>
+                        <a:rPr lang="en-US" sz="1600" dirty="0"/>
+                        <a:t>Dictator</a:t>
+                      </a:r>
+                    </a:p>
+                  </a:txBody>
+                  <a:tcPr anchor="ctr"/>
+                </a:tc>
+                <a:tc>
+                  <a:txBody>
+                    <a:bodyPr/>
+                    <a:lstStyle/>
+                    <a:p>
+                      <a:pPr algn="ctr"/>
+                      <a:r>
+                        <a:rPr lang="en-US" sz="1600" dirty="0"/>
+                        <a:t>Leader</a:t>
+                      </a:r>
+                    </a:p>
+                  </a:txBody>
+                  <a:tcPr anchor="ctr"/>
+                </a:tc>
+                <a:tc>
+                  <a:txBody>
+                    <a:bodyPr/>
+                    <a:lstStyle/>
+                    <a:p>
+                      <a:pPr algn="ctr"/>
+                      <a:r>
+                        <a:rPr lang="en-US" sz="1600" dirty="0"/>
+                        <a:t>Regime</a:t>
+                      </a:r>
+                    </a:p>
+                  </a:txBody>
+                  <a:tcPr anchor="ctr"/>
+                </a:tc>
+                <a:tc>
+                  <a:txBody>
+                    <a:bodyPr/>
+                    <a:lstStyle/>
+                    <a:p>
+                      <a:pPr algn="ctr"/>
+                      <a:r>
+                        <a:rPr lang="en-US" sz="1600" dirty="0"/>
+                        <a:t>No Title</a:t>
+                      </a:r>
+                    </a:p>
+                  </a:txBody>
+                  <a:tcPr anchor="ctr"/>
+                </a:tc>
+                <a:extLst>
+                  <a:ext uri="{0D108BD9-81ED-4DB2-BD59-A6C34878D82A}">
+                    <a16:rowId xmlns:a16="http://schemas.microsoft.com/office/drawing/2014/main" val="401004877"/>
+                  </a:ext>
+                </a:extLst>
+              </a:tr>
+              <a:tr h="638474">
+                <a:tc>
+                  <a:txBody>
+                    <a:bodyPr/>
+                    <a:lstStyle/>
+                    <a:p>
+                      <a:pPr algn="ctr"/>
+                      <a:r>
+                        <a:rPr lang="en-US" sz="1600" dirty="0"/>
+                        <a:t>WH</a:t>
+                      </a:r>
+                    </a:p>
+                  </a:txBody>
+                  <a:tcPr anchor="ctr"/>
+                </a:tc>
+                <a:tc>
+                  <a:txBody>
+                    <a:bodyPr/>
+                    <a:lstStyle/>
+                    <a:p>
+                      <a:pPr algn="ctr"/>
+                      <a:r>
+                        <a:rPr lang="en-US" sz="1600" dirty="0"/>
+                        <a:t>117</a:t>
+                      </a:r>
+                    </a:p>
+                  </a:txBody>
+                  <a:tcPr anchor="ctr"/>
+                </a:tc>
+                <a:tc>
+                  <a:txBody>
+                    <a:bodyPr/>
+                    <a:lstStyle/>
+                    <a:p>
+                      <a:pPr algn="ctr"/>
+                      <a:r>
+                        <a:rPr lang="en-US" sz="1600" dirty="0"/>
+                        <a:t>1</a:t>
+                      </a:r>
+                    </a:p>
+                  </a:txBody>
+                  <a:tcPr anchor="ctr"/>
+                </a:tc>
+                <a:tc>
+                  <a:txBody>
+                    <a:bodyPr/>
+                    <a:lstStyle/>
+                    <a:p>
+                      <a:pPr algn="ctr"/>
+                      <a:r>
+                        <a:rPr lang="en-US" sz="1600" dirty="0"/>
+                        <a:t>24</a:t>
+                      </a:r>
+                    </a:p>
+                  </a:txBody>
+                  <a:tcPr anchor="ctr"/>
+                </a:tc>
+                <a:tc>
+                  <a:txBody>
+                    <a:bodyPr/>
+                    <a:lstStyle/>
+                    <a:p>
+                      <a:pPr algn="ctr"/>
+                      <a:r>
+                        <a:rPr lang="en-US" sz="1600" dirty="0"/>
+                        <a:t>11</a:t>
+                      </a:r>
+                    </a:p>
+                  </a:txBody>
+                  <a:tcPr anchor="ctr"/>
+                </a:tc>
+                <a:tc>
+                  <a:txBody>
+                    <a:bodyPr/>
+                    <a:lstStyle/>
+                    <a:p>
+                      <a:pPr algn="ctr"/>
+                      <a:r>
+                        <a:rPr lang="en-US" sz="1600" dirty="0"/>
+                        <a:t>87</a:t>
+                      </a:r>
+                    </a:p>
+                  </a:txBody>
+                  <a:tcPr anchor="ctr"/>
+                </a:tc>
+                <a:extLst>
+                  <a:ext uri="{0D108BD9-81ED-4DB2-BD59-A6C34878D82A}">
+                    <a16:rowId xmlns:a16="http://schemas.microsoft.com/office/drawing/2014/main" val="3851294589"/>
+                  </a:ext>
+                </a:extLst>
+              </a:tr>
+              <a:tr h="638474">
+                <a:tc>
+                  <a:txBody>
+                    <a:bodyPr/>
+                    <a:lstStyle/>
+                    <a:p>
+                      <a:pPr algn="ctr"/>
+                      <a:r>
+                        <a:rPr lang="en-US" sz="1600" dirty="0"/>
+                        <a:t>State</a:t>
+                      </a:r>
+                    </a:p>
+                  </a:txBody>
+                  <a:tcPr anchor="ctr"/>
+                </a:tc>
+                <a:tc>
+                  <a:txBody>
+                    <a:bodyPr/>
+                    <a:lstStyle/>
+                    <a:p>
+                      <a:pPr algn="ctr"/>
+                      <a:r>
+                        <a:rPr lang="en-US" sz="1600" dirty="0"/>
+                        <a:t>107</a:t>
+                      </a:r>
+                    </a:p>
+                  </a:txBody>
+                  <a:tcPr anchor="ctr"/>
+                </a:tc>
+                <a:tc>
+                  <a:txBody>
+                    <a:bodyPr/>
+                    <a:lstStyle/>
+                    <a:p>
+                      <a:pPr algn="ctr"/>
+                      <a:r>
+                        <a:rPr lang="en-US" sz="1600" dirty="0"/>
+                        <a:t>0</a:t>
+                      </a:r>
+                    </a:p>
+                  </a:txBody>
+                  <a:tcPr anchor="ctr"/>
+                </a:tc>
+                <a:tc>
+                  <a:txBody>
+                    <a:bodyPr/>
+                    <a:lstStyle/>
+                    <a:p>
+                      <a:pPr algn="ctr"/>
+                      <a:r>
+                        <a:rPr lang="en-US" sz="1600" dirty="0"/>
+                        <a:t>2</a:t>
+                      </a:r>
+                    </a:p>
+                  </a:txBody>
+                  <a:tcPr anchor="ctr"/>
+                </a:tc>
+                <a:tc>
+                  <a:txBody>
+                    <a:bodyPr/>
+                    <a:lstStyle/>
+                    <a:p>
+                      <a:pPr algn="ctr"/>
+                      <a:r>
+                        <a:rPr lang="en-US" sz="1600" dirty="0"/>
+                        <a:t>2</a:t>
+                      </a:r>
+                    </a:p>
+                  </a:txBody>
+                  <a:tcPr anchor="ctr"/>
+                </a:tc>
+                <a:tc>
+                  <a:txBody>
+                    <a:bodyPr/>
+                    <a:lstStyle/>
+                    <a:p>
+                      <a:pPr algn="ctr"/>
+                      <a:r>
+                        <a:rPr lang="en-US" sz="1600" dirty="0"/>
+                        <a:t>97</a:t>
+                      </a:r>
+                    </a:p>
+                  </a:txBody>
+                  <a:tcPr anchor="ctr"/>
+                </a:tc>
+                <a:extLst>
+                  <a:ext uri="{0D108BD9-81ED-4DB2-BD59-A6C34878D82A}">
+                    <a16:rowId xmlns:a16="http://schemas.microsoft.com/office/drawing/2014/main" val="1956559992"/>
+                  </a:ext>
+                </a:extLst>
+              </a:tr>
+              <a:tr h="638474">
+                <a:tc>
+                  <a:txBody>
+                    <a:bodyPr/>
+                    <a:lstStyle/>
+                    <a:p>
+                      <a:pPr algn="ctr"/>
+                      <a:r>
+                        <a:rPr lang="en-US" sz="1600" dirty="0"/>
+                        <a:t>Total</a:t>
+                      </a:r>
+                    </a:p>
+                  </a:txBody>
+                  <a:tcPr anchor="ctr"/>
+                </a:tc>
+                <a:tc>
+                  <a:txBody>
+                    <a:bodyPr/>
+                    <a:lstStyle/>
+                    <a:p>
+                      <a:pPr algn="ctr"/>
+                      <a:r>
+                        <a:rPr lang="en-US" sz="1600" dirty="0"/>
+                        <a:t>224</a:t>
+                      </a:r>
+                    </a:p>
+                  </a:txBody>
+                  <a:tcPr anchor="ctr"/>
+                </a:tc>
+                <a:tc>
+                  <a:txBody>
+                    <a:bodyPr/>
+                    <a:lstStyle/>
+                    <a:p>
+                      <a:pPr algn="ctr"/>
+                      <a:r>
+                        <a:rPr lang="en-US" sz="1600" dirty="0"/>
+                        <a:t>1</a:t>
+                      </a:r>
+                    </a:p>
+                  </a:txBody>
+                  <a:tcPr anchor="ctr"/>
+                </a:tc>
+                <a:tc>
+                  <a:txBody>
+                    <a:bodyPr/>
+                    <a:lstStyle/>
+                    <a:p>
+                      <a:pPr algn="ctr"/>
+                      <a:r>
+                        <a:rPr lang="en-US" sz="1600" dirty="0"/>
+                        <a:t>26</a:t>
+                      </a:r>
+                    </a:p>
+                  </a:txBody>
+                  <a:tcPr anchor="ctr"/>
+                </a:tc>
+                <a:tc>
+                  <a:txBody>
+                    <a:bodyPr/>
+                    <a:lstStyle/>
+                    <a:p>
+                      <a:pPr algn="ctr"/>
+                      <a:r>
+                        <a:rPr lang="en-US" sz="1600" dirty="0"/>
+                        <a:t>13</a:t>
+                      </a:r>
+                    </a:p>
+                  </a:txBody>
+                  <a:tcPr anchor="ctr"/>
+                </a:tc>
+                <a:tc>
+                  <a:txBody>
+                    <a:bodyPr/>
+                    <a:lstStyle/>
+                    <a:p>
+                      <a:pPr algn="ctr"/>
+                      <a:r>
+                        <a:rPr lang="en-US" sz="1600" dirty="0"/>
+                        <a:t>184</a:t>
+                      </a:r>
+                    </a:p>
+                  </a:txBody>
+                  <a:tcPr anchor="ctr"/>
+                </a:tc>
+                <a:extLst>
+                  <a:ext uri="{0D108BD9-81ED-4DB2-BD59-A6C34878D82A}">
+                    <a16:rowId xmlns:a16="http://schemas.microsoft.com/office/drawing/2014/main" val="3687744119"/>
+                  </a:ext>
+                </a:extLst>
+              </a:tr>
+            </a:tbl>
+          </a:graphicData>
+        </a:graphic>
+      </p:graphicFrame>
+      <p:pic>
+        <p:nvPicPr>
+          <p:cNvPr id="5" name="Picture 4">
+            <a:extLst>
+              <a:ext uri="{FF2B5EF4-FFF2-40B4-BE49-F238E27FC236}">
+                <a16:creationId xmlns:a16="http://schemas.microsoft.com/office/drawing/2014/main" id="{3BCCC56D-4A89-40AC-8CA1-4638B12D05F4}"/>
+              </a:ext>
+            </a:extLst>
+          </p:cNvPr>
+          <p:cNvPicPr>
+            <a:picLocks noChangeAspect="1"/>
+          </p:cNvPicPr>
+          <p:nvPr/>
+        </p:nvPicPr>
+        <p:blipFill>
+          <a:blip r:embed="rId2"/>
+          <a:stretch>
+            <a:fillRect/>
+          </a:stretch>
+        </p:blipFill>
+        <p:spPr>
+          <a:xfrm>
+            <a:off x="6278880" y="1583882"/>
+            <a:ext cx="5486397" cy="5143886"/>
+          </a:xfrm>
+          <a:prstGeom prst="rect">
+            <a:avLst/>
+          </a:prstGeom>
+        </p:spPr>
+      </p:pic>
+    </p:spTree>
+    <p:extLst>
+      <p:ext uri="{BB962C8B-B14F-4D97-AF65-F5344CB8AC3E}">
+        <p14:creationId xmlns:p14="http://schemas.microsoft.com/office/powerpoint/2010/main" val="3649546107"/>
+      </p:ext>
+    </p:extLst>
+  </p:cSld>
+  <p:clrMapOvr>
+    <a:masterClrMapping/>
+  </p:clrMapOvr>
+</p:sld>
+</file>
+
+<file path=ppt/slides/slide5.xml><?xml version="1.0" encoding="utf-8"?>
+<p:sld xmlns:a="http://schemas.openxmlformats.org/drawingml/2006/main" xmlns:r="http://schemas.openxmlformats.org/officeDocument/2006/relationships" xmlns:p="http://schemas.openxmlformats.org/presentationml/2006/main">
+  <p:cSld>
+    <p:spTree>
+      <p:nvGrpSpPr>
+        <p:cNvPr id="1" name=""/>
+        <p:cNvGrpSpPr/>
+        <p:nvPr/>
+      </p:nvGrpSpPr>
+      <p:grpSpPr>
+        <a:xfrm>
+          <a:off x="0" y="0"/>
+          <a:ext cx="0" cy="0"/>
+          <a:chOff x="0" y="0"/>
+          <a:chExt cx="0" cy="0"/>
+        </a:xfrm>
+      </p:grpSpPr>
+      <p:sp>
+        <p:nvSpPr>
+          <p:cNvPr id="2" name="Title 1">
+            <a:extLst>
+              <a:ext uri="{FF2B5EF4-FFF2-40B4-BE49-F238E27FC236}">
+                <a16:creationId xmlns:a16="http://schemas.microsoft.com/office/drawing/2014/main" id="{55E7F0DD-84F4-4A39-87CA-3B75083C6725}"/>
+              </a:ext>
+            </a:extLst>
+          </p:cNvPr>
+          <p:cNvSpPr>
+            <a:spLocks noGrp="1"/>
+          </p:cNvSpPr>
+          <p:nvPr>
+            <p:ph type="title"/>
+          </p:nvPr>
+        </p:nvSpPr>
+        <p:spPr/>
+        <p:txBody>
+          <a:bodyPr/>
+          <a:lstStyle/>
+          <a:p>
+            <a:r>
+              <a:rPr lang="en-US" dirty="0"/>
+              <a:t>Difficulties</a:t>
+            </a:r>
+          </a:p>
+        </p:txBody>
+      </p:sp>
+      <p:sp>
+        <p:nvSpPr>
+          <p:cNvPr id="3" name="Content Placeholder 2">
+            <a:extLst>
+              <a:ext uri="{FF2B5EF4-FFF2-40B4-BE49-F238E27FC236}">
+                <a16:creationId xmlns:a16="http://schemas.microsoft.com/office/drawing/2014/main" id="{58E77083-971F-48AD-AE59-1F766A92AA58}"/>
+              </a:ext>
+            </a:extLst>
+          </p:cNvPr>
+          <p:cNvSpPr>
+            <a:spLocks noGrp="1"/>
+          </p:cNvSpPr>
+          <p:nvPr>
+            <p:ph idx="1"/>
+          </p:nvPr>
+        </p:nvSpPr>
+        <p:spPr>
+          <a:xfrm>
+            <a:off x="2231136" y="2638044"/>
+            <a:ext cx="7729728" cy="3807091"/>
+          </a:xfrm>
+        </p:spPr>
+        <p:txBody>
+          <a:bodyPr>
+            <a:normAutofit/>
+          </a:bodyPr>
+          <a:lstStyle/>
+          <a:p>
+            <a:r>
+              <a:rPr lang="en-US" sz="2800" dirty="0"/>
+              <a:t>Converting from lists -&gt; vectors -&gt; </a:t>
+            </a:r>
+            <a:r>
+              <a:rPr lang="en-US" sz="2800" dirty="0" err="1"/>
+              <a:t>dataframes</a:t>
+            </a:r>
+            <a:endParaRPr lang="en-US" sz="2800" dirty="0"/>
+          </a:p>
+          <a:p>
+            <a:r>
+              <a:rPr lang="en-US" sz="2800" dirty="0"/>
+              <a:t>State Department forgot dates on many documents</a:t>
+            </a:r>
+          </a:p>
+          <a:p>
+            <a:r>
+              <a:rPr lang="en-US" sz="2800" dirty="0"/>
+              <a:t>Multiple different “</a:t>
+            </a:r>
+            <a:r>
+              <a:rPr lang="en-US" sz="2800" dirty="0" err="1"/>
+              <a:t>Kim”s</a:t>
+            </a:r>
+            <a:r>
+              <a:rPr lang="en-US" sz="2800" dirty="0"/>
+              <a:t> and multiple mentions per paragraph</a:t>
+            </a:r>
+          </a:p>
+          <a:p>
+            <a:r>
+              <a:rPr lang="en-US" sz="2800" dirty="0"/>
+              <a:t>Large dataset – took forever to map</a:t>
+            </a:r>
+          </a:p>
+          <a:p>
+            <a:endParaRPr lang="en-US" sz="2800" dirty="0"/>
+          </a:p>
+        </p:txBody>
+      </p:sp>
+    </p:spTree>
+    <p:extLst>
+      <p:ext uri="{BB962C8B-B14F-4D97-AF65-F5344CB8AC3E}">
+        <p14:creationId xmlns:p14="http://schemas.microsoft.com/office/powerpoint/2010/main" val="2900274202"/>
       </p:ext>
     </p:extLst>
   </p:cSld>
